--- a/10python/l05/L05_looping.pptx
+++ b/10python/l05/L05_looping.pptx
@@ -149,7 +149,7 @@
   </p:defaultTextStyle>
   <p:extLst>
     <p:ext uri="{EFAFB233-063F-42B5-8137-9DF3F51BA10A}">
-      <p15:sldGuideLst xmlns:p15="http://schemas.microsoft.com/office/powerpoint/2012/main" xmlns="">
+      <p15:sldGuideLst xmlns="" xmlns:p15="http://schemas.microsoft.com/office/powerpoint/2012/main">
         <p15:guide id="1" orient="horz" pos="2160">
           <p15:clr>
             <a:srgbClr val="A4A3A4"/>
@@ -273,7 +273,7 @@
               <a:pPr>
                 <a:defRPr/>
               </a:pPr>
-              <a:t>07/04/2016</a:t>
+              <a:t>10/12/2016</a:t>
             </a:fld>
             <a:endParaRPr lang="en-GB"/>
           </a:p>
@@ -467,7 +467,7 @@
     </p:spTree>
     <p:extLst>
       <p:ext uri="{BB962C8B-B14F-4D97-AF65-F5344CB8AC3E}">
-        <p14:creationId xmlns:p14="http://schemas.microsoft.com/office/powerpoint/2010/main" xmlns="" val="3682927552"/>
+        <p14:creationId xmlns="" xmlns:p14="http://schemas.microsoft.com/office/powerpoint/2010/main" val="3682927552"/>
       </p:ext>
     </p:extLst>
   </p:cSld>
@@ -750,7 +750,7 @@
     </p:spTree>
     <p:extLst>
       <p:ext uri="{BB962C8B-B14F-4D97-AF65-F5344CB8AC3E}">
-        <p14:creationId xmlns:p14="http://schemas.microsoft.com/office/powerpoint/2010/main" xmlns="" val="2891137643"/>
+        <p14:creationId xmlns="" xmlns:p14="http://schemas.microsoft.com/office/powerpoint/2010/main" val="2891137643"/>
       </p:ext>
     </p:extLst>
   </p:cSld>
@@ -840,7 +840,7 @@
     </p:spTree>
     <p:extLst>
       <p:ext uri="{BB962C8B-B14F-4D97-AF65-F5344CB8AC3E}">
-        <p14:creationId xmlns:p14="http://schemas.microsoft.com/office/powerpoint/2010/main" xmlns="" val="2822243996"/>
+        <p14:creationId xmlns="" xmlns:p14="http://schemas.microsoft.com/office/powerpoint/2010/main" val="2822243996"/>
       </p:ext>
     </p:extLst>
   </p:cSld>
@@ -973,7 +973,7 @@
     </p:spTree>
     <p:extLst>
       <p:ext uri="{BB962C8B-B14F-4D97-AF65-F5344CB8AC3E}">
-        <p14:creationId xmlns:p14="http://schemas.microsoft.com/office/powerpoint/2010/main" xmlns="" val="3666752866"/>
+        <p14:creationId xmlns="" xmlns:p14="http://schemas.microsoft.com/office/powerpoint/2010/main" val="3666752866"/>
       </p:ext>
     </p:extLst>
   </p:cSld>
@@ -1106,7 +1106,7 @@
     </p:spTree>
     <p:extLst>
       <p:ext uri="{BB962C8B-B14F-4D97-AF65-F5344CB8AC3E}">
-        <p14:creationId xmlns:p14="http://schemas.microsoft.com/office/powerpoint/2010/main" xmlns="" val="3568448048"/>
+        <p14:creationId xmlns="" xmlns:p14="http://schemas.microsoft.com/office/powerpoint/2010/main" val="3568448048"/>
       </p:ext>
     </p:extLst>
   </p:cSld>
@@ -1239,7 +1239,7 @@
     </p:spTree>
     <p:extLst>
       <p:ext uri="{BB962C8B-B14F-4D97-AF65-F5344CB8AC3E}">
-        <p14:creationId xmlns:p14="http://schemas.microsoft.com/office/powerpoint/2010/main" xmlns="" val="1239006798"/>
+        <p14:creationId xmlns="" xmlns:p14="http://schemas.microsoft.com/office/powerpoint/2010/main" val="1239006798"/>
       </p:ext>
     </p:extLst>
   </p:cSld>
@@ -1329,7 +1329,7 @@
     </p:spTree>
     <p:extLst>
       <p:ext uri="{BB962C8B-B14F-4D97-AF65-F5344CB8AC3E}">
-        <p14:creationId xmlns:p14="http://schemas.microsoft.com/office/powerpoint/2010/main" xmlns="" val="3528497905"/>
+        <p14:creationId xmlns="" xmlns:p14="http://schemas.microsoft.com/office/powerpoint/2010/main" val="3528497905"/>
       </p:ext>
     </p:extLst>
   </p:cSld>
@@ -1419,7 +1419,7 @@
     </p:spTree>
     <p:extLst>
       <p:ext uri="{BB962C8B-B14F-4D97-AF65-F5344CB8AC3E}">
-        <p14:creationId xmlns:p14="http://schemas.microsoft.com/office/powerpoint/2010/main" xmlns="" val="2641028011"/>
+        <p14:creationId xmlns="" xmlns:p14="http://schemas.microsoft.com/office/powerpoint/2010/main" val="2641028011"/>
       </p:ext>
     </p:extLst>
   </p:cSld>
@@ -1509,7 +1509,7 @@
     </p:spTree>
     <p:extLst>
       <p:ext uri="{BB962C8B-B14F-4D97-AF65-F5344CB8AC3E}">
-        <p14:creationId xmlns:p14="http://schemas.microsoft.com/office/powerpoint/2010/main" xmlns="" val="2641028011"/>
+        <p14:creationId xmlns="" xmlns:p14="http://schemas.microsoft.com/office/powerpoint/2010/main" val="2641028011"/>
       </p:ext>
     </p:extLst>
   </p:cSld>
@@ -1599,7 +1599,7 @@
     </p:spTree>
     <p:extLst>
       <p:ext uri="{BB962C8B-B14F-4D97-AF65-F5344CB8AC3E}">
-        <p14:creationId xmlns:p14="http://schemas.microsoft.com/office/powerpoint/2010/main" xmlns="" val="2641028011"/>
+        <p14:creationId xmlns="" xmlns:p14="http://schemas.microsoft.com/office/powerpoint/2010/main" val="2641028011"/>
       </p:ext>
     </p:extLst>
   </p:cSld>
@@ -1689,7 +1689,7 @@
     </p:spTree>
     <p:extLst>
       <p:ext uri="{BB962C8B-B14F-4D97-AF65-F5344CB8AC3E}">
-        <p14:creationId xmlns:p14="http://schemas.microsoft.com/office/powerpoint/2010/main" xmlns="" val="2641028011"/>
+        <p14:creationId xmlns="" xmlns:p14="http://schemas.microsoft.com/office/powerpoint/2010/main" val="2641028011"/>
       </p:ext>
     </p:extLst>
   </p:cSld>
@@ -1899,7 +1899,7 @@
               <a:pPr>
                 <a:defRPr/>
               </a:pPr>
-              <a:t>07/04/2016</a:t>
+              <a:t>10/12/2016</a:t>
             </a:fld>
             <a:endParaRPr lang="en-GB"/>
           </a:p>
@@ -2091,7 +2091,7 @@
               <a:pPr>
                 <a:defRPr/>
               </a:pPr>
-              <a:t>07/04/2016</a:t>
+              <a:t>10/12/2016</a:t>
             </a:fld>
             <a:endParaRPr lang="en-GB"/>
           </a:p>
@@ -2293,7 +2293,7 @@
               <a:pPr>
                 <a:defRPr/>
               </a:pPr>
-              <a:t>07/04/2016</a:t>
+              <a:t>10/12/2016</a:t>
             </a:fld>
             <a:endParaRPr lang="en-GB"/>
           </a:p>
@@ -2599,7 +2599,7 @@
               <a:pPr>
                 <a:defRPr/>
               </a:pPr>
-              <a:t>4/7/2016</a:t>
+              <a:t>12/10/2016</a:t>
             </a:fld>
             <a:endParaRPr lang="en-US"/>
           </a:p>
@@ -2791,7 +2791,7 @@
               <a:pPr>
                 <a:defRPr/>
               </a:pPr>
-              <a:t>4/7/2016</a:t>
+              <a:t>12/10/2016</a:t>
             </a:fld>
             <a:endParaRPr lang="en-US"/>
           </a:p>
@@ -3099,7 +3099,7 @@
               <a:pPr>
                 <a:defRPr/>
               </a:pPr>
-              <a:t>4/7/2016</a:t>
+              <a:t>12/10/2016</a:t>
             </a:fld>
             <a:endParaRPr lang="en-US"/>
           </a:p>
@@ -3409,7 +3409,7 @@
               <a:pPr>
                 <a:defRPr/>
               </a:pPr>
-              <a:t>4/7/2016</a:t>
+              <a:t>12/10/2016</a:t>
             </a:fld>
             <a:endParaRPr lang="en-US"/>
           </a:p>
@@ -3937,7 +3937,7 @@
               <a:pPr>
                 <a:defRPr/>
               </a:pPr>
-              <a:t>4/7/2016</a:t>
+              <a:t>12/10/2016</a:t>
             </a:fld>
             <a:endParaRPr lang="en-US"/>
           </a:p>
@@ -4077,7 +4077,7 @@
               <a:pPr>
                 <a:defRPr/>
               </a:pPr>
-              <a:t>4/7/2016</a:t>
+              <a:t>12/10/2016</a:t>
             </a:fld>
             <a:endParaRPr lang="en-US"/>
           </a:p>
@@ -4194,7 +4194,7 @@
               <a:pPr>
                 <a:defRPr/>
               </a:pPr>
-              <a:t>4/7/2016</a:t>
+              <a:t>12/10/2016</a:t>
             </a:fld>
             <a:endParaRPr lang="en-US"/>
           </a:p>
@@ -4530,7 +4530,7 @@
               <a:pPr>
                 <a:defRPr/>
               </a:pPr>
-              <a:t>4/7/2016</a:t>
+              <a:t>12/10/2016</a:t>
             </a:fld>
             <a:endParaRPr lang="en-US"/>
           </a:p>
@@ -4949,7 +4949,7 @@
               <a:pPr>
                 <a:defRPr/>
               </a:pPr>
-              <a:t>4/7/2016</a:t>
+              <a:t>12/10/2016</a:t>
             </a:fld>
             <a:endParaRPr lang="en-US"/>
           </a:p>
@@ -5141,7 +5141,7 @@
               <a:pPr>
                 <a:defRPr/>
               </a:pPr>
-              <a:t>4/7/2016</a:t>
+              <a:t>12/10/2016</a:t>
             </a:fld>
             <a:endParaRPr lang="en-US"/>
           </a:p>
@@ -5343,7 +5343,7 @@
               <a:pPr>
                 <a:defRPr/>
               </a:pPr>
-              <a:t>4/7/2016</a:t>
+              <a:t>12/10/2016</a:t>
             </a:fld>
             <a:endParaRPr lang="en-US"/>
           </a:p>
@@ -5611,7 +5611,7 @@
               <a:pPr>
                 <a:defRPr/>
               </a:pPr>
-              <a:t>07/04/2016</a:t>
+              <a:t>10/12/2016</a:t>
             </a:fld>
             <a:endParaRPr lang="en-GB"/>
           </a:p>
@@ -5921,7 +5921,7 @@
               <a:pPr>
                 <a:defRPr/>
               </a:pPr>
-              <a:t>07/04/2016</a:t>
+              <a:t>10/12/2016</a:t>
             </a:fld>
             <a:endParaRPr lang="en-GB"/>
           </a:p>
@@ -6365,7 +6365,7 @@
               <a:pPr>
                 <a:defRPr/>
               </a:pPr>
-              <a:t>07/04/2016</a:t>
+              <a:t>10/12/2016</a:t>
             </a:fld>
             <a:endParaRPr lang="en-GB"/>
           </a:p>
@@ -6505,7 +6505,7 @@
               <a:pPr>
                 <a:defRPr/>
               </a:pPr>
-              <a:t>07/04/2016</a:t>
+              <a:t>10/12/2016</a:t>
             </a:fld>
             <a:endParaRPr lang="en-GB"/>
           </a:p>
@@ -6622,7 +6622,7 @@
               <a:pPr>
                 <a:defRPr/>
               </a:pPr>
-              <a:t>07/04/2016</a:t>
+              <a:t>10/12/2016</a:t>
             </a:fld>
             <a:endParaRPr lang="en-GB"/>
           </a:p>
@@ -6921,7 +6921,7 @@
               <a:pPr>
                 <a:defRPr/>
               </a:pPr>
-              <a:t>07/04/2016</a:t>
+              <a:t>10/12/2016</a:t>
             </a:fld>
             <a:endParaRPr lang="en-GB"/>
           </a:p>
@@ -7203,7 +7203,7 @@
               <a:pPr>
                 <a:defRPr/>
               </a:pPr>
-              <a:t>07/04/2016</a:t>
+              <a:t>10/12/2016</a:t>
             </a:fld>
             <a:endParaRPr lang="en-GB"/>
           </a:p>
@@ -7460,7 +7460,7 @@
               <a:pPr>
                 <a:defRPr/>
               </a:pPr>
-              <a:t>07/04/2016</a:t>
+              <a:t>10/12/2016</a:t>
             </a:fld>
             <a:endParaRPr lang="en-GB"/>
           </a:p>
@@ -8194,7 +8194,7 @@
               <a:pPr>
                 <a:defRPr/>
               </a:pPr>
-              <a:t>4/7/2016</a:t>
+              <a:t>12/10/2016</a:t>
             </a:fld>
             <a:endParaRPr lang="en-US"/>
           </a:p>
@@ -8779,16 +8779,6 @@
               </a:rPr>
               <a:t>PYTHON LOOPING</a:t>
             </a:r>
-            <a:r>
-              <a:rPr lang="en-GB" dirty="0" smtClean="0">
-                <a:solidFill>
-                  <a:srgbClr val="990000"/>
-                </a:solidFill>
-                <a:latin typeface="Calibri" pitchFamily="34" charset="0"/>
-                <a:cs typeface="Calibri" pitchFamily="34" charset="0"/>
-              </a:rPr>
-              <a:t/>
-            </a:r>
             <a:br>
               <a:rPr lang="en-GB" dirty="0" smtClean="0">
                 <a:solidFill>
@@ -9004,7 +8994,7 @@
     </p:spTree>
     <p:extLst>
       <p:ext uri="{BB962C8B-B14F-4D97-AF65-F5344CB8AC3E}">
-        <p14:creationId xmlns:p14="http://schemas.microsoft.com/office/powerpoint/2010/main" xmlns="" val="2170488605"/>
+        <p14:creationId xmlns="" xmlns:p14="http://schemas.microsoft.com/office/powerpoint/2010/main" val="2170488605"/>
       </p:ext>
     </p:extLst>
   </p:cSld>
@@ -9485,8 +9475,8 @@
           <p:nvPr/>
         </p:nvPicPr>
         <p:blipFill rotWithShape="1">
-          <a:blip r:embed="rId3" cstate="print"/>
-          <a:srcRect l="4055" t="15726" r="78620" b="62575"/>
+          <a:blip r:embed="rId3" cstate="email"/>
+          <a:srcRect/>
           <a:stretch/>
         </p:blipFill>
         <p:spPr>
@@ -9515,8 +9505,8 @@
           <p:nvPr/>
         </p:nvPicPr>
         <p:blipFill rotWithShape="1">
-          <a:blip r:embed="rId3" cstate="print"/>
-          <a:srcRect l="23274" t="16538" r="65989" b="56163"/>
+          <a:blip r:embed="rId4" cstate="email"/>
+          <a:srcRect/>
           <a:stretch/>
         </p:blipFill>
         <p:spPr>
@@ -9577,8 +9567,8 @@
           <p:nvPr/>
         </p:nvPicPr>
         <p:blipFill rotWithShape="1">
-          <a:blip r:embed="rId3" cstate="print"/>
-          <a:srcRect l="4055" t="15726" r="78620" b="62575"/>
+          <a:blip r:embed="rId3" cstate="email"/>
+          <a:srcRect/>
           <a:stretch/>
         </p:blipFill>
         <p:spPr>
@@ -10048,10 +10038,10 @@
           <p:nvPr/>
         </p:nvPicPr>
         <p:blipFill>
-          <a:blip r:embed="rId3" cstate="print">
+          <a:blip r:embed="rId3" cstate="email">
             <a:extLst>
               <a:ext uri="{28A0092B-C50C-407E-A947-70E740481C1C}">
-                <a14:useLocalDpi xmlns:a14="http://schemas.microsoft.com/office/drawing/2010/main" xmlns="" val="0"/>
+                <a14:useLocalDpi xmlns="" xmlns:a14="http://schemas.microsoft.com/office/drawing/2010/main" val="0"/>
               </a:ext>
             </a:extLst>
           </a:blip>
@@ -10077,7 +10067,7 @@
     </p:spTree>
     <p:extLst>
       <p:ext uri="{BB962C8B-B14F-4D97-AF65-F5344CB8AC3E}">
-        <p14:creationId xmlns:p14="http://schemas.microsoft.com/office/powerpoint/2010/main" xmlns="" val="2830007251"/>
+        <p14:creationId xmlns="" xmlns:p14="http://schemas.microsoft.com/office/powerpoint/2010/main" val="2830007251"/>
       </p:ext>
     </p:extLst>
   </p:cSld>
@@ -10311,14 +10301,14 @@
           <a:effectLst/>
           <a:extLst>
             <a:ext uri="{909E8E84-426E-40DD-AFC4-6F175D3DCCD1}">
-              <a14:hiddenFill xmlns:a14="http://schemas.microsoft.com/office/drawing/2010/main" xmlns="">
+              <a14:hiddenFill xmlns="" xmlns:a14="http://schemas.microsoft.com/office/drawing/2010/main">
                 <a:solidFill>
                   <a:schemeClr val="accent1"/>
                 </a:solidFill>
               </a14:hiddenFill>
             </a:ext>
             <a:ext uri="{91240B29-F687-4F45-9708-019B960494DF}">
-              <a14:hiddenLine xmlns:a14="http://schemas.microsoft.com/office/drawing/2010/main" xmlns="" w="9525">
+              <a14:hiddenLine xmlns="" xmlns:a14="http://schemas.microsoft.com/office/drawing/2010/main" w="9525">
                 <a:solidFill>
                   <a:schemeClr val="tx1"/>
                 </a:solidFill>
@@ -10328,7 +10318,7 @@
               </a14:hiddenLine>
             </a:ext>
             <a:ext uri="{AF507438-7753-43E0-B8FC-AC1667EBCBE1}">
-              <a14:hiddenEffects xmlns:a14="http://schemas.microsoft.com/office/drawing/2010/main" xmlns="">
+              <a14:hiddenEffects xmlns="" xmlns:a14="http://schemas.microsoft.com/office/drawing/2010/main">
                 <a:effectLst>
                   <a:outerShdw dist="35921" dir="2700000" algn="ctr" rotWithShape="0">
                     <a:schemeClr val="bg2"/>
@@ -10360,10 +10350,10 @@
           <p:nvPr/>
         </p:nvPicPr>
         <p:blipFill>
-          <a:blip r:embed="rId3" cstate="print">
+          <a:blip r:embed="rId3" cstate="email">
             <a:extLst>
               <a:ext uri="{28A0092B-C50C-407E-A947-70E740481C1C}">
-                <a14:useLocalDpi xmlns:a14="http://schemas.microsoft.com/office/drawing/2010/main" xmlns="" val="0"/>
+                <a14:useLocalDpi xmlns="" xmlns:a14="http://schemas.microsoft.com/office/drawing/2010/main" val="0"/>
               </a:ext>
             </a:extLst>
           </a:blip>
@@ -10383,7 +10373,7 @@
           <a:noFill/>
           <a:extLst>
             <a:ext uri="{909E8E84-426E-40DD-AFC4-6F175D3DCCD1}">
-              <a14:hiddenFill xmlns:a14="http://schemas.microsoft.com/office/drawing/2010/main" xmlns="">
+              <a14:hiddenFill xmlns="" xmlns:a14="http://schemas.microsoft.com/office/drawing/2010/main">
                 <a:solidFill>
                   <a:srgbClr val="FFFFFF"/>
                 </a:solidFill>
@@ -10395,7 +10385,7 @@
     </p:spTree>
     <p:extLst>
       <p:ext uri="{BB962C8B-B14F-4D97-AF65-F5344CB8AC3E}">
-        <p14:creationId xmlns:p14="http://schemas.microsoft.com/office/powerpoint/2010/main" xmlns="" val="2373880800"/>
+        <p14:creationId xmlns="" xmlns:p14="http://schemas.microsoft.com/office/powerpoint/2010/main" val="2373880800"/>
       </p:ext>
     </p:extLst>
   </p:cSld>
@@ -10617,10 +10607,10 @@
           <p:nvPr/>
         </p:nvPicPr>
         <p:blipFill>
-          <a:blip r:embed="rId3" cstate="print">
+          <a:blip r:embed="rId3" cstate="email">
             <a:extLst>
               <a:ext uri="{28A0092B-C50C-407E-A947-70E740481C1C}">
-                <a14:useLocalDpi xmlns:a14="http://schemas.microsoft.com/office/drawing/2010/main" xmlns="" val="0"/>
+                <a14:useLocalDpi xmlns="" xmlns:a14="http://schemas.microsoft.com/office/drawing/2010/main" val="0"/>
               </a:ext>
             </a:extLst>
           </a:blip>
@@ -10646,7 +10636,7 @@
     </p:spTree>
     <p:extLst>
       <p:ext uri="{BB962C8B-B14F-4D97-AF65-F5344CB8AC3E}">
-        <p14:creationId xmlns:p14="http://schemas.microsoft.com/office/powerpoint/2010/main" xmlns="" val="3378141827"/>
+        <p14:creationId xmlns="" xmlns:p14="http://schemas.microsoft.com/office/powerpoint/2010/main" val="3378141827"/>
       </p:ext>
     </p:extLst>
   </p:cSld>
@@ -10853,10 +10843,10 @@
           <p:nvPr/>
         </p:nvPicPr>
         <p:blipFill>
-          <a:blip r:embed="rId3" cstate="print">
+          <a:blip r:embed="rId3" cstate="email">
             <a:extLst>
               <a:ext uri="{28A0092B-C50C-407E-A947-70E740481C1C}">
-                <a14:useLocalDpi xmlns:a14="http://schemas.microsoft.com/office/drawing/2010/main" xmlns="" val="0"/>
+                <a14:useLocalDpi xmlns="" xmlns:a14="http://schemas.microsoft.com/office/drawing/2010/main" val="0"/>
               </a:ext>
             </a:extLst>
           </a:blip>
@@ -10882,7 +10872,7 @@
     </p:spTree>
     <p:extLst>
       <p:ext uri="{BB962C8B-B14F-4D97-AF65-F5344CB8AC3E}">
-        <p14:creationId xmlns:p14="http://schemas.microsoft.com/office/powerpoint/2010/main" xmlns="" val="2735216281"/>
+        <p14:creationId xmlns="" xmlns:p14="http://schemas.microsoft.com/office/powerpoint/2010/main" val="2735216281"/>
       </p:ext>
     </p:extLst>
   </p:cSld>
